--- a/Курсов Проект/Курсов Проект.pptx
+++ b/Курсов Проект/Курсов Проект.pptx
@@ -111,6 +111,11 @@
       </a:defRPr>
     </a:lvl9pPr>
   </p:defaultTextStyle>
+  <p:extLst>
+    <p:ext uri="{EFAFB233-063F-42B5-8137-9DF3F51BA10A}">
+      <p15:sldGuideLst xmlns:p15="http://schemas.microsoft.com/office/powerpoint/2012/main"/>
+    </p:ext>
+  </p:extLst>
 </p:presentation>
 </file>
 
@@ -1370,12 +1375,12 @@
   <dgm:cxnLst>
     <dgm:cxn modelId="{E8196128-97E8-4358-BE31-4D306A6154D7}" type="presOf" srcId="{E4004A45-B219-4C09-BB02-6FE1601B7D76}" destId="{02C49A3F-DC84-414E-B904-C3ED5301D582}" srcOrd="0" destOrd="0" presId="urn:microsoft.com/office/officeart/2016/7/layout/RepeatingBendingProcessNew"/>
     <dgm:cxn modelId="{B3F4DF2B-0E84-495D-A412-30BA4C432D49}" type="presOf" srcId="{24856E91-0D00-4474-8B0A-AB404B6F1E7D}" destId="{FA7FCB8D-5321-4665-A66D-758DF802078E}" srcOrd="0" destOrd="0" presId="urn:microsoft.com/office/officeart/2016/7/layout/RepeatingBendingProcessNew"/>
+    <dgm:cxn modelId="{1E063654-976F-4A2F-919D-02ED7FED4D0B}" type="presOf" srcId="{0F1DD83B-EB62-45CC-88CE-FF47F3312616}" destId="{C7B703C3-48ED-474E-B880-FF723C6C62BD}" srcOrd="0" destOrd="0" presId="urn:microsoft.com/office/officeart/2016/7/layout/RepeatingBendingProcessNew"/>
     <dgm:cxn modelId="{F59C6D60-30F7-4781-B322-49D29961C5C7}" type="presOf" srcId="{26BAA977-042B-4E2D-A2F9-FA901C903D27}" destId="{2F287633-4F3A-4EE8-9220-4240EF04094B}" srcOrd="0" destOrd="0" presId="urn:microsoft.com/office/officeart/2016/7/layout/RepeatingBendingProcessNew"/>
     <dgm:cxn modelId="{545A3B64-A91F-41A7-AB7F-EBC016815675}" type="presOf" srcId="{DFF0D312-C522-4A60-8668-6D38C66173AA}" destId="{5A32C319-B401-4360-85F6-3F3E7A6639E9}" srcOrd="1" destOrd="0" presId="urn:microsoft.com/office/officeart/2016/7/layout/RepeatingBendingProcessNew"/>
     <dgm:cxn modelId="{9524266A-D99E-470D-A193-97FAF03E1CFC}" type="presOf" srcId="{93B27B40-B96F-410B-A2F6-E4F62E229E46}" destId="{601092C6-03D5-4C6A-8D61-7E2B87ED3D4F}" srcOrd="0" destOrd="0" presId="urn:microsoft.com/office/officeart/2016/7/layout/RepeatingBendingProcessNew"/>
     <dgm:cxn modelId="{44082D70-8251-4CC6-8A7E-85EFEB30B2E2}" type="presOf" srcId="{DFF0D312-C522-4A60-8668-6D38C66173AA}" destId="{74CD625A-C7C0-46E3-AC8F-3043A58CAEB8}" srcOrd="0" destOrd="0" presId="urn:microsoft.com/office/officeart/2016/7/layout/RepeatingBendingProcessNew"/>
     <dgm:cxn modelId="{FD811174-1F3D-4161-B667-76C3E40DFA89}" type="presOf" srcId="{B255D07B-9F98-4303-826C-71FFC4BC9FD4}" destId="{6D18BF13-A132-438A-9F4B-9CA9FB6D8186}" srcOrd="0" destOrd="0" presId="urn:microsoft.com/office/officeart/2016/7/layout/RepeatingBendingProcessNew"/>
-    <dgm:cxn modelId="{1E063654-976F-4A2F-919D-02ED7FED4D0B}" type="presOf" srcId="{0F1DD83B-EB62-45CC-88CE-FF47F3312616}" destId="{C7B703C3-48ED-474E-B880-FF723C6C62BD}" srcOrd="0" destOrd="0" presId="urn:microsoft.com/office/officeart/2016/7/layout/RepeatingBendingProcessNew"/>
     <dgm:cxn modelId="{292BD475-3B5D-4F56-AB69-BA95E34C1676}" type="presOf" srcId="{0370104A-0AB8-4001-9706-45629DBCE9FA}" destId="{D92BCE63-5D84-45B5-B9CC-B35BDBC6E272}" srcOrd="0" destOrd="0" presId="urn:microsoft.com/office/officeart/2016/7/layout/RepeatingBendingProcessNew"/>
     <dgm:cxn modelId="{49ADFE77-9818-4B05-91FA-067AB5AD42CD}" srcId="{93B27B40-B96F-410B-A2F6-E4F62E229E46}" destId="{9002B583-455F-4FC3-9ED6-13A8F9B2845F}" srcOrd="3" destOrd="0" parTransId="{DC1681B5-1EEB-4594-8D00-947C6E645A34}" sibTransId="{24856E91-0D00-4474-8B0A-AB404B6F1E7D}"/>
     <dgm:cxn modelId="{DA02557B-947F-4000-B729-9E74D3CF3D63}" srcId="{93B27B40-B96F-410B-A2F6-E4F62E229E46}" destId="{26BAA977-042B-4E2D-A2F9-FA901C903D27}" srcOrd="5" destOrd="0" parTransId="{1F27C5D4-3B91-42EC-843C-415AB6CE5445}" sibTransId="{9E75FCDF-B6B5-4D60-B69B-38F512C1743F}"/>
@@ -3696,7 +3701,7 @@
             <a:fld id="{3F9AFA87-1417-4992-ABD9-27C3BC8CC883}" type="datetimeFigureOut">
               <a:rPr lang="en-US" smtClean="0"/>
               <a:pPr algn="r"/>
-              <a:t>5/13/2023</a:t>
+              <a:t>5/13/23</a:t>
             </a:fld>
             <a:endParaRPr lang="en-US" dirty="0"/>
           </a:p>
@@ -3897,7 +3902,7 @@
           <a:p>
             <a:fld id="{3F9AFA87-1417-4992-ABD9-27C3BC8CC883}" type="datetimeFigureOut">
               <a:rPr lang="en-US" smtClean="0"/>
-              <a:t>5/13/2023</a:t>
+              <a:t>5/13/23</a:t>
             </a:fld>
             <a:endParaRPr lang="en-US"/>
           </a:p>
@@ -4107,7 +4112,7 @@
           <a:p>
             <a:fld id="{3F9AFA87-1417-4992-ABD9-27C3BC8CC883}" type="datetimeFigureOut">
               <a:rPr lang="en-US" smtClean="0"/>
-              <a:t>5/13/2023</a:t>
+              <a:t>5/13/23</a:t>
             </a:fld>
             <a:endParaRPr lang="en-US"/>
           </a:p>
@@ -4305,7 +4310,7 @@
           <a:p>
             <a:fld id="{3F9AFA87-1417-4992-ABD9-27C3BC8CC883}" type="datetimeFigureOut">
               <a:rPr lang="en-US" smtClean="0"/>
-              <a:t>5/13/2023</a:t>
+              <a:t>5/13/23</a:t>
             </a:fld>
             <a:endParaRPr lang="en-US"/>
           </a:p>
@@ -4579,7 +4584,7 @@
           <a:p>
             <a:fld id="{3F9AFA87-1417-4992-ABD9-27C3BC8CC883}" type="datetimeFigureOut">
               <a:rPr lang="en-US" smtClean="0"/>
-              <a:t>5/13/2023</a:t>
+              <a:t>5/13/23</a:t>
             </a:fld>
             <a:endParaRPr lang="en-US"/>
           </a:p>
@@ -4844,7 +4849,7 @@
           <a:p>
             <a:fld id="{3F9AFA87-1417-4992-ABD9-27C3BC8CC883}" type="datetimeFigureOut">
               <a:rPr lang="en-US" smtClean="0"/>
-              <a:t>5/13/2023</a:t>
+              <a:t>5/13/23</a:t>
             </a:fld>
             <a:endParaRPr lang="en-US" dirty="0"/>
           </a:p>
@@ -5231,7 +5236,7 @@
           <a:p>
             <a:fld id="{3F9AFA87-1417-4992-ABD9-27C3BC8CC883}" type="datetimeFigureOut">
               <a:rPr lang="en-US" smtClean="0"/>
-              <a:t>5/13/2023</a:t>
+              <a:t>5/13/23</a:t>
             </a:fld>
             <a:endParaRPr lang="en-US"/>
           </a:p>
@@ -5401,7 +5406,7 @@
           <a:p>
             <a:fld id="{3F9AFA87-1417-4992-ABD9-27C3BC8CC883}" type="datetimeFigureOut">
               <a:rPr lang="en-US" smtClean="0"/>
-              <a:t>5/13/2023</a:t>
+              <a:t>5/13/23</a:t>
             </a:fld>
             <a:endParaRPr lang="en-US"/>
           </a:p>
@@ -5514,7 +5519,7 @@
           <a:p>
             <a:fld id="{3F9AFA87-1417-4992-ABD9-27C3BC8CC883}" type="datetimeFigureOut">
               <a:rPr lang="en-US" smtClean="0"/>
-              <a:t>5/13/2023</a:t>
+              <a:t>5/13/23</a:t>
             </a:fld>
             <a:endParaRPr lang="en-US"/>
           </a:p>
@@ -5834,7 +5839,7 @@
           <a:p>
             <a:fld id="{3F9AFA87-1417-4992-ABD9-27C3BC8CC883}" type="datetimeFigureOut">
               <a:rPr lang="en-US" smtClean="0"/>
-              <a:t>5/13/2023</a:t>
+              <a:t>5/13/23</a:t>
             </a:fld>
             <a:endParaRPr lang="en-US"/>
           </a:p>
@@ -6139,7 +6144,7 @@
           <a:p>
             <a:fld id="{3F9AFA87-1417-4992-ABD9-27C3BC8CC883}" type="datetimeFigureOut">
               <a:rPr lang="en-US" smtClean="0"/>
-              <a:t>5/13/2023</a:t>
+              <a:t>5/13/23</a:t>
             </a:fld>
             <a:endParaRPr lang="en-US"/>
           </a:p>
@@ -6382,7 +6387,7 @@
             <a:fld id="{3F9AFA87-1417-4992-ABD9-27C3BC8CC883}" type="datetimeFigureOut">
               <a:rPr lang="en-US" smtClean="0"/>
               <a:pPr algn="r"/>
-              <a:t>5/13/2023</a:t>
+              <a:t>5/13/23</a:t>
             </a:fld>
             <a:endParaRPr lang="en-US" dirty="0"/>
           </a:p>
@@ -8984,7 +8989,19 @@
           <a:p>
             <a:r>
               <a:rPr lang="bg-BG" dirty="0"/>
-              <a:t>Списък Със Съставни Части</a:t>
+              <a:t>Списък </a:t>
+            </a:r>
+            <a:r>
+              <a:rPr lang="en-US" dirty="0" err="1"/>
+              <a:t>с</a:t>
+            </a:r>
+            <a:r>
+              <a:rPr lang="bg-BG" dirty="0" err="1"/>
+              <a:t>ъс</a:t>
+            </a:r>
+            <a:r>
+              <a:rPr lang="bg-BG" dirty="0"/>
+              <a:t> съставни части</a:t>
             </a:r>
           </a:p>
         </p:txBody>
@@ -10035,8 +10052,8 @@
         </p:nvSpPr>
         <p:spPr>
           <a:xfrm>
-            <a:off x="1892700" y="5320092"/>
-            <a:ext cx="8406597" cy="646331"/>
+            <a:off x="1892700" y="5005928"/>
+            <a:ext cx="8406597" cy="923330"/>
           </a:xfrm>
           <a:prstGeom prst="rect">
             <a:avLst/>
@@ -10060,7 +10077,43 @@
                 <a:cs typeface="+mn-cs"/>
                 <a:hlinkClick r:id="rId2"/>
               </a:rPr>
-              <a:t>Линк към проекта: </a:t>
+              <a:t>Лин</a:t>
+            </a:r>
+            <a:r>
+              <a:rPr lang="en-US" sz="1800" kern="1200" dirty="0">
+                <a:solidFill>
+                  <a:schemeClr val="tx1"/>
+                </a:solidFill>
+                <a:latin typeface="+mn-lt"/>
+                <a:ea typeface="+mn-ea"/>
+                <a:cs typeface="+mn-cs"/>
+                <a:hlinkClick r:id="rId2"/>
+              </a:rPr>
+              <a:t>к</a:t>
+            </a:r>
+            <a:r>
+              <a:rPr lang="bg-BG" sz="1800" kern="1200" dirty="0">
+                <a:solidFill>
+                  <a:schemeClr val="tx1"/>
+                </a:solidFill>
+                <a:latin typeface="+mn-lt"/>
+                <a:ea typeface="+mn-ea"/>
+                <a:cs typeface="+mn-cs"/>
+                <a:hlinkClick r:id="rId2"/>
+              </a:rPr>
+              <a:t>ове</a:t>
+            </a:r>
+            <a:r>
+              <a:rPr lang="ru-RU" sz="1800" kern="1200" dirty="0">
+                <a:solidFill>
+                  <a:schemeClr val="tx1"/>
+                </a:solidFill>
+                <a:latin typeface="+mn-lt"/>
+                <a:ea typeface="+mn-ea"/>
+                <a:cs typeface="+mn-cs"/>
+                <a:hlinkClick r:id="rId2"/>
+              </a:rPr>
+              <a:t> към проекта: </a:t>
             </a:r>
             <a:endParaRPr lang="en-US" sz="1800" kern="1200" dirty="0">
               <a:solidFill>
@@ -10082,9 +10135,31 @@
                 <a:latin typeface="+mn-lt"/>
                 <a:ea typeface="+mn-ea"/>
                 <a:cs typeface="+mn-cs"/>
-                <a:hlinkClick r:id="rId2"/>
+                <a:hlinkClick r:id="rId3"/>
               </a:rPr>
               <a:t>https://www.tinkercad.com/things/ig3bnVMAFVR-temperature-dependent-fan</a:t>
+            </a:r>
+            <a:br>
+              <a:rPr lang="ru-RU" sz="1800" kern="1200" dirty="0">
+                <a:solidFill>
+                  <a:schemeClr val="tx1"/>
+                </a:solidFill>
+                <a:latin typeface="+mn-lt"/>
+                <a:ea typeface="+mn-ea"/>
+                <a:cs typeface="+mn-cs"/>
+              </a:rPr>
+            </a:br>
+            <a:r>
+              <a:rPr lang="en-GB" sz="1800" kern="1200" dirty="0">
+                <a:solidFill>
+                  <a:schemeClr val="tx1"/>
+                </a:solidFill>
+                <a:latin typeface="+mn-lt"/>
+                <a:ea typeface="+mn-ea"/>
+                <a:cs typeface="+mn-cs"/>
+                <a:hlinkClick r:id="rId4"/>
+              </a:rPr>
+              <a:t>https://github.com/ItsKrizz/ArduinoProject</a:t>
             </a:r>
             <a:endParaRPr lang="bg-BG" dirty="0"/>
           </a:p>
